--- a/ddscs/doc/presentaciones/DDSCS_design.pptx
+++ b/ddscs/doc/presentaciones/DDSCS_design.pptx
@@ -301,7 +301,8 @@
           <a:p>
             <a:fld id="{E2C3348C-C77D-4741-BF12-80723D78A5DF}" type="datetimeFigureOut">
               <a:rPr lang="es-ES" smtClean="0"/>
-              <a:t>21/06/2012</a:t>
+              <a:pPr/>
+              <a:t>18/09/2012</a:t>
             </a:fld>
             <a:endParaRPr lang="es-ES"/>
           </a:p>
@@ -343,6 +344,7 @@
           <a:p>
             <a:fld id="{6B4156B8-71CC-4E10-BCB3-70DF8DCA0112}" type="slidenum">
               <a:rPr lang="es-ES" smtClean="0"/>
+              <a:pPr/>
               <a:t>‹Nº›</a:t>
             </a:fld>
             <a:endParaRPr lang="es-ES"/>
@@ -466,7 +468,8 @@
           <a:p>
             <a:fld id="{E2C3348C-C77D-4741-BF12-80723D78A5DF}" type="datetimeFigureOut">
               <a:rPr lang="es-ES" smtClean="0"/>
-              <a:t>21/06/2012</a:t>
+              <a:pPr/>
+              <a:t>18/09/2012</a:t>
             </a:fld>
             <a:endParaRPr lang="es-ES"/>
           </a:p>
@@ -508,6 +511,7 @@
           <a:p>
             <a:fld id="{6B4156B8-71CC-4E10-BCB3-70DF8DCA0112}" type="slidenum">
               <a:rPr lang="es-ES" smtClean="0"/>
+              <a:pPr/>
               <a:t>‹Nº›</a:t>
             </a:fld>
             <a:endParaRPr lang="es-ES"/>
@@ -641,7 +645,8 @@
           <a:p>
             <a:fld id="{E2C3348C-C77D-4741-BF12-80723D78A5DF}" type="datetimeFigureOut">
               <a:rPr lang="es-ES" smtClean="0"/>
-              <a:t>21/06/2012</a:t>
+              <a:pPr/>
+              <a:t>18/09/2012</a:t>
             </a:fld>
             <a:endParaRPr lang="es-ES"/>
           </a:p>
@@ -683,6 +688,7 @@
           <a:p>
             <a:fld id="{6B4156B8-71CC-4E10-BCB3-70DF8DCA0112}" type="slidenum">
               <a:rPr lang="es-ES" smtClean="0"/>
+              <a:pPr/>
               <a:t>‹Nº›</a:t>
             </a:fld>
             <a:endParaRPr lang="es-ES"/>
@@ -806,7 +812,8 @@
           <a:p>
             <a:fld id="{E2C3348C-C77D-4741-BF12-80723D78A5DF}" type="datetimeFigureOut">
               <a:rPr lang="es-ES" smtClean="0"/>
-              <a:t>21/06/2012</a:t>
+              <a:pPr/>
+              <a:t>18/09/2012</a:t>
             </a:fld>
             <a:endParaRPr lang="es-ES"/>
           </a:p>
@@ -848,6 +855,7 @@
           <a:p>
             <a:fld id="{6B4156B8-71CC-4E10-BCB3-70DF8DCA0112}" type="slidenum">
               <a:rPr lang="es-ES" smtClean="0"/>
+              <a:pPr/>
               <a:t>‹Nº›</a:t>
             </a:fld>
             <a:endParaRPr lang="es-ES"/>
@@ -1048,7 +1056,8 @@
           <a:p>
             <a:fld id="{E2C3348C-C77D-4741-BF12-80723D78A5DF}" type="datetimeFigureOut">
               <a:rPr lang="es-ES" smtClean="0"/>
-              <a:t>21/06/2012</a:t>
+              <a:pPr/>
+              <a:t>18/09/2012</a:t>
             </a:fld>
             <a:endParaRPr lang="es-ES"/>
           </a:p>
@@ -1090,6 +1099,7 @@
           <a:p>
             <a:fld id="{6B4156B8-71CC-4E10-BCB3-70DF8DCA0112}" type="slidenum">
               <a:rPr lang="es-ES" smtClean="0"/>
+              <a:pPr/>
               <a:t>‹Nº›</a:t>
             </a:fld>
             <a:endParaRPr lang="es-ES"/>
@@ -1312,7 +1322,8 @@
           <a:p>
             <a:fld id="{E2C3348C-C77D-4741-BF12-80723D78A5DF}" type="datetimeFigureOut">
               <a:rPr lang="es-ES" smtClean="0"/>
-              <a:t>21/06/2012</a:t>
+              <a:pPr/>
+              <a:t>18/09/2012</a:t>
             </a:fld>
             <a:endParaRPr lang="es-ES"/>
           </a:p>
@@ -1354,6 +1365,7 @@
           <a:p>
             <a:fld id="{6B4156B8-71CC-4E10-BCB3-70DF8DCA0112}" type="slidenum">
               <a:rPr lang="es-ES" smtClean="0"/>
+              <a:pPr/>
               <a:t>‹Nº›</a:t>
             </a:fld>
             <a:endParaRPr lang="es-ES"/>
@@ -1690,7 +1702,8 @@
           <a:p>
             <a:fld id="{E2C3348C-C77D-4741-BF12-80723D78A5DF}" type="datetimeFigureOut">
               <a:rPr lang="es-ES" smtClean="0"/>
-              <a:t>21/06/2012</a:t>
+              <a:pPr/>
+              <a:t>18/09/2012</a:t>
             </a:fld>
             <a:endParaRPr lang="es-ES"/>
           </a:p>
@@ -1732,6 +1745,7 @@
           <a:p>
             <a:fld id="{6B4156B8-71CC-4E10-BCB3-70DF8DCA0112}" type="slidenum">
               <a:rPr lang="es-ES" smtClean="0"/>
+              <a:pPr/>
               <a:t>‹Nº›</a:t>
             </a:fld>
             <a:endParaRPr lang="es-ES"/>
@@ -1840,7 +1854,8 @@
           <a:p>
             <a:fld id="{E2C3348C-C77D-4741-BF12-80723D78A5DF}" type="datetimeFigureOut">
               <a:rPr lang="es-ES" smtClean="0"/>
-              <a:t>21/06/2012</a:t>
+              <a:pPr/>
+              <a:t>18/09/2012</a:t>
             </a:fld>
             <a:endParaRPr lang="es-ES"/>
           </a:p>
@@ -1882,6 +1897,7 @@
           <a:p>
             <a:fld id="{6B4156B8-71CC-4E10-BCB3-70DF8DCA0112}" type="slidenum">
               <a:rPr lang="es-ES" smtClean="0"/>
+              <a:pPr/>
               <a:t>‹Nº›</a:t>
             </a:fld>
             <a:endParaRPr lang="es-ES"/>
@@ -1930,7 +1946,8 @@
           <a:p>
             <a:fld id="{E2C3348C-C77D-4741-BF12-80723D78A5DF}" type="datetimeFigureOut">
               <a:rPr lang="es-ES" smtClean="0"/>
-              <a:t>21/06/2012</a:t>
+              <a:pPr/>
+              <a:t>18/09/2012</a:t>
             </a:fld>
             <a:endParaRPr lang="es-ES"/>
           </a:p>
@@ -1972,6 +1989,7 @@
           <a:p>
             <a:fld id="{6B4156B8-71CC-4E10-BCB3-70DF8DCA0112}" type="slidenum">
               <a:rPr lang="es-ES" smtClean="0"/>
+              <a:pPr/>
               <a:t>‹Nº›</a:t>
             </a:fld>
             <a:endParaRPr lang="es-ES"/>
@@ -2191,7 +2209,8 @@
           <a:p>
             <a:fld id="{E2C3348C-C77D-4741-BF12-80723D78A5DF}" type="datetimeFigureOut">
               <a:rPr lang="es-ES" smtClean="0"/>
-              <a:t>21/06/2012</a:t>
+              <a:pPr/>
+              <a:t>18/09/2012</a:t>
             </a:fld>
             <a:endParaRPr lang="es-ES"/>
           </a:p>
@@ -2233,6 +2252,7 @@
           <a:p>
             <a:fld id="{6B4156B8-71CC-4E10-BCB3-70DF8DCA0112}" type="slidenum">
               <a:rPr lang="es-ES" smtClean="0"/>
+              <a:pPr/>
               <a:t>‹Nº›</a:t>
             </a:fld>
             <a:endParaRPr lang="es-ES"/>
@@ -2479,7 +2499,8 @@
           <a:p>
             <a:fld id="{E2C3348C-C77D-4741-BF12-80723D78A5DF}" type="datetimeFigureOut">
               <a:rPr lang="es-ES" smtClean="0"/>
-              <a:t>21/06/2012</a:t>
+              <a:pPr/>
+              <a:t>18/09/2012</a:t>
             </a:fld>
             <a:endParaRPr lang="es-ES"/>
           </a:p>
@@ -2526,6 +2547,7 @@
           <a:p>
             <a:fld id="{6B4156B8-71CC-4E10-BCB3-70DF8DCA0112}" type="slidenum">
               <a:rPr lang="es-ES" smtClean="0"/>
+              <a:pPr/>
               <a:t>‹Nº›</a:t>
             </a:fld>
             <a:endParaRPr lang="es-ES"/>
@@ -3250,7 +3272,8 @@
           <a:p>
             <a:fld id="{E2C3348C-C77D-4741-BF12-80723D78A5DF}" type="datetimeFigureOut">
               <a:rPr lang="es-ES" smtClean="0"/>
-              <a:t>21/06/2012</a:t>
+              <a:pPr/>
+              <a:t>18/09/2012</a:t>
             </a:fld>
             <a:endParaRPr lang="es-ES"/>
           </a:p>
@@ -3328,6 +3351,7 @@
           <a:p>
             <a:fld id="{6B4156B8-71CC-4E10-BCB3-70DF8DCA0112}" type="slidenum">
               <a:rPr lang="es-ES" smtClean="0"/>
+              <a:pPr/>
               <a:t>‹Nº›</a:t>
             </a:fld>
             <a:endParaRPr lang="es-ES"/>
